--- a/Vision Transformer.pptx
+++ b/Vision Transformer.pptx
@@ -208,7 +208,7 @@
           <a:p>
             <a:fld id="{E2022DCE-AAAF-4B27-86D7-3D8759C85C63}" type="datetimeFigureOut">
               <a:rPr lang="en-US" smtClean="0"/>
-              <a:t>5/31/2022</a:t>
+              <a:t>6/1/2022</a:t>
             </a:fld>
             <a:endParaRPr lang="en-US"/>
           </a:p>
@@ -622,7 +622,7 @@
           <a:p>
             <a:fld id="{589A4353-0D3F-4EDE-AFFC-636DFAE22471}" type="datetimeFigureOut">
               <a:rPr lang="en-US" smtClean="0"/>
-              <a:t>5/31/2022</a:t>
+              <a:t>6/1/2022</a:t>
             </a:fld>
             <a:endParaRPr lang="en-US"/>
           </a:p>
@@ -820,7 +820,7 @@
           <a:p>
             <a:fld id="{589A4353-0D3F-4EDE-AFFC-636DFAE22471}" type="datetimeFigureOut">
               <a:rPr lang="en-US" smtClean="0"/>
-              <a:t>5/31/2022</a:t>
+              <a:t>6/1/2022</a:t>
             </a:fld>
             <a:endParaRPr lang="en-US"/>
           </a:p>
@@ -1028,7 +1028,7 @@
           <a:p>
             <a:fld id="{589A4353-0D3F-4EDE-AFFC-636DFAE22471}" type="datetimeFigureOut">
               <a:rPr lang="en-US" smtClean="0"/>
-              <a:t>5/31/2022</a:t>
+              <a:t>6/1/2022</a:t>
             </a:fld>
             <a:endParaRPr lang="en-US"/>
           </a:p>
@@ -1226,7 +1226,7 @@
           <a:p>
             <a:fld id="{589A4353-0D3F-4EDE-AFFC-636DFAE22471}" type="datetimeFigureOut">
               <a:rPr lang="en-US" smtClean="0"/>
-              <a:t>5/31/2022</a:t>
+              <a:t>6/1/2022</a:t>
             </a:fld>
             <a:endParaRPr lang="en-US"/>
           </a:p>
@@ -1501,7 +1501,7 @@
           <a:p>
             <a:fld id="{589A4353-0D3F-4EDE-AFFC-636DFAE22471}" type="datetimeFigureOut">
               <a:rPr lang="en-US" smtClean="0"/>
-              <a:t>5/31/2022</a:t>
+              <a:t>6/1/2022</a:t>
             </a:fld>
             <a:endParaRPr lang="en-US"/>
           </a:p>
@@ -1766,7 +1766,7 @@
           <a:p>
             <a:fld id="{589A4353-0D3F-4EDE-AFFC-636DFAE22471}" type="datetimeFigureOut">
               <a:rPr lang="en-US" smtClean="0"/>
-              <a:t>5/31/2022</a:t>
+              <a:t>6/1/2022</a:t>
             </a:fld>
             <a:endParaRPr lang="en-US"/>
           </a:p>
@@ -2178,7 +2178,7 @@
           <a:p>
             <a:fld id="{589A4353-0D3F-4EDE-AFFC-636DFAE22471}" type="datetimeFigureOut">
               <a:rPr lang="en-US" smtClean="0"/>
-              <a:t>5/31/2022</a:t>
+              <a:t>6/1/2022</a:t>
             </a:fld>
             <a:endParaRPr lang="en-US"/>
           </a:p>
@@ -2319,7 +2319,7 @@
           <a:p>
             <a:fld id="{589A4353-0D3F-4EDE-AFFC-636DFAE22471}" type="datetimeFigureOut">
               <a:rPr lang="en-US" smtClean="0"/>
-              <a:t>5/31/2022</a:t>
+              <a:t>6/1/2022</a:t>
             </a:fld>
             <a:endParaRPr lang="en-US"/>
           </a:p>
@@ -2432,7 +2432,7 @@
           <a:p>
             <a:fld id="{589A4353-0D3F-4EDE-AFFC-636DFAE22471}" type="datetimeFigureOut">
               <a:rPr lang="en-US" smtClean="0"/>
-              <a:t>5/31/2022</a:t>
+              <a:t>6/1/2022</a:t>
             </a:fld>
             <a:endParaRPr lang="en-US"/>
           </a:p>
@@ -2743,7 +2743,7 @@
           <a:p>
             <a:fld id="{589A4353-0D3F-4EDE-AFFC-636DFAE22471}" type="datetimeFigureOut">
               <a:rPr lang="en-US" smtClean="0"/>
-              <a:t>5/31/2022</a:t>
+              <a:t>6/1/2022</a:t>
             </a:fld>
             <a:endParaRPr lang="en-US"/>
           </a:p>
@@ -3031,7 +3031,7 @@
           <a:p>
             <a:fld id="{589A4353-0D3F-4EDE-AFFC-636DFAE22471}" type="datetimeFigureOut">
               <a:rPr lang="en-US" smtClean="0"/>
-              <a:t>5/31/2022</a:t>
+              <a:t>6/1/2022</a:t>
             </a:fld>
             <a:endParaRPr lang="en-US"/>
           </a:p>
@@ -3272,7 +3272,7 @@
           <a:p>
             <a:fld id="{589A4353-0D3F-4EDE-AFFC-636DFAE22471}" type="datetimeFigureOut">
               <a:rPr lang="en-US" smtClean="0"/>
-              <a:t>5/31/2022</a:t>
+              <a:t>6/1/2022</a:t>
             </a:fld>
             <a:endParaRPr lang="en-US"/>
           </a:p>
@@ -3705,44 +3705,52 @@
             <p:ph type="ctrTitle"/>
           </p:nvPr>
         </p:nvSpPr>
-        <p:spPr/>
+        <p:spPr>
+          <a:xfrm>
+            <a:off x="1421363" y="1418674"/>
+            <a:ext cx="9144000" cy="1233293"/>
+          </a:xfrm>
+        </p:spPr>
+        <p:txBody>
+          <a:bodyPr>
+            <a:normAutofit/>
+          </a:bodyPr>
+          <a:lstStyle/>
+          <a:p>
+            <a:r>
+              <a:rPr lang="en-US" dirty="0"/>
+              <a:t>Vision Transformer Models</a:t>
+            </a:r>
+          </a:p>
+        </p:txBody>
+      </p:sp>
+      <p:sp>
+        <p:nvSpPr>
+          <p:cNvPr id="3" name="Subtitle 2">
+            <a:extLst>
+              <a:ext uri="{FF2B5EF4-FFF2-40B4-BE49-F238E27FC236}">
+                <a16:creationId xmlns:a16="http://schemas.microsoft.com/office/drawing/2014/main" id="{C7835701-6C04-0722-661C-6103336779BA}"/>
+              </a:ext>
+            </a:extLst>
+          </p:cNvPr>
+          <p:cNvSpPr>
+            <a:spLocks noGrp="1"/>
+          </p:cNvSpPr>
+          <p:nvPr>
+            <p:ph type="subTitle" idx="1"/>
+          </p:nvPr>
+        </p:nvSpPr>
+        <p:spPr>
+          <a:xfrm>
+            <a:off x="4021494" y="4096561"/>
+            <a:ext cx="6646506" cy="857995"/>
+          </a:xfrm>
+        </p:spPr>
         <p:txBody>
           <a:bodyPr/>
           <a:lstStyle/>
           <a:p>
-            <a:r>
-              <a:rPr lang="en-US" dirty="0"/>
-              <a:t>Vision Transformer Models</a:t>
-            </a:r>
-          </a:p>
-        </p:txBody>
-      </p:sp>
-      <p:sp>
-        <p:nvSpPr>
-          <p:cNvPr id="3" name="Subtitle 2">
-            <a:extLst>
-              <a:ext uri="{FF2B5EF4-FFF2-40B4-BE49-F238E27FC236}">
-                <a16:creationId xmlns:a16="http://schemas.microsoft.com/office/drawing/2014/main" id="{C7835701-6C04-0722-661C-6103336779BA}"/>
-              </a:ext>
-            </a:extLst>
-          </p:cNvPr>
-          <p:cNvSpPr>
-            <a:spLocks noGrp="1"/>
-          </p:cNvSpPr>
-          <p:nvPr>
-            <p:ph type="subTitle" idx="1"/>
-          </p:nvPr>
-        </p:nvSpPr>
-        <p:spPr>
-          <a:xfrm>
-            <a:off x="1524000" y="4096561"/>
-            <a:ext cx="9144000" cy="857995"/>
-          </a:xfrm>
-        </p:spPr>
-        <p:txBody>
-          <a:bodyPr/>
-          <a:lstStyle/>
-          <a:p>
+            <a:pPr algn="l"/>
             <a:r>
               <a:rPr lang="en-US" sz="1800" dirty="0">
                 <a:solidFill>
@@ -3755,10 +3763,11 @@
                 <a:ea typeface="Calibri" panose="020F0502020204030204" pitchFamily="34" charset="0"/>
                 <a:cs typeface="Arial" panose="020B0604020202020204" pitchFamily="34" charset="0"/>
               </a:rPr>
-              <a:t>Mohammad Ahmad Khattab Mousa</a:t>
-            </a:r>
-          </a:p>
-          <a:p>
+              <a:t>Prepared by: Mohammad Ahmad Khattab Mousa</a:t>
+            </a:r>
+          </a:p>
+          <a:p>
+            <a:pPr algn="l"/>
             <a:r>
               <a:rPr lang="en-US" sz="1800" dirty="0">
                 <a:solidFill>
@@ -3769,7 +3778,7 @@
                 <a:latin typeface="Calibri" panose="020F0502020204030204" pitchFamily="34" charset="0"/>
                 <a:cs typeface="Arial" panose="020B0604020202020204" pitchFamily="34" charset="0"/>
               </a:rPr>
-              <a:t>ID </a:t>
+              <a:t>Student ID: </a:t>
             </a:r>
             <a:r>
               <a:rPr lang="en-US" sz="1800" dirty="0">
@@ -3792,6 +3801,50 @@
                 </a:schemeClr>
               </a:solidFill>
             </a:endParaRPr>
+          </a:p>
+        </p:txBody>
+      </p:sp>
+      <p:sp>
+        <p:nvSpPr>
+          <p:cNvPr id="4" name="TextBox 3">
+            <a:extLst>
+              <a:ext uri="{FF2B5EF4-FFF2-40B4-BE49-F238E27FC236}">
+                <a16:creationId xmlns:a16="http://schemas.microsoft.com/office/drawing/2014/main" id="{4F864AB0-CB22-95A3-FEB5-AF27C24F5FF5}"/>
+              </a:ext>
+            </a:extLst>
+          </p:cNvPr>
+          <p:cNvSpPr txBox="1"/>
+          <p:nvPr/>
+        </p:nvSpPr>
+        <p:spPr>
+          <a:xfrm>
+            <a:off x="2164702" y="2939143"/>
+            <a:ext cx="7856376" cy="646331"/>
+          </a:xfrm>
+          <a:prstGeom prst="rect">
+            <a:avLst/>
+          </a:prstGeom>
+          <a:noFill/>
+        </p:spPr>
+        <p:txBody>
+          <a:bodyPr wrap="square" rtlCol="0">
+            <a:spAutoFit/>
+          </a:bodyPr>
+          <a:lstStyle/>
+          <a:p>
+            <a:r>
+              <a:rPr lang="en-US" dirty="0"/>
+              <a:t>S</a:t>
+            </a:r>
+            <a:r>
+              <a:rPr lang="en-US" sz="1800"/>
+              <a:t>ummary </a:t>
+            </a:r>
+            <a:r>
+              <a:rPr lang="en-US" sz="1800" dirty="0"/>
+              <a:t>of the paper ““An Image is Worth 16x16 Words: Transformer for image recognition at scale””</a:t>
+            </a:r>
+            <a:endParaRPr lang="en-US" dirty="0"/>
           </a:p>
         </p:txBody>
       </p:sp>
@@ -4377,8 +4430,8 @@
           <a:chExt cx="0" cy="0"/>
         </a:xfrm>
       </p:grpSpPr>
-      <mc:AlternateContent xmlns:mc="http://schemas.openxmlformats.org/markup-compatibility/2006">
-        <mc:Choice xmlns:a14="http://schemas.microsoft.com/office/drawing/2010/main" Requires="a14">
+      <mc:AlternateContent xmlns:mc="http://schemas.openxmlformats.org/markup-compatibility/2006" xmlns:a14="http://schemas.microsoft.com/office/drawing/2010/main">
+        <mc:Choice Requires="a14">
           <p:sp>
             <p:nvSpPr>
               <p:cNvPr id="3" name="Content Placeholder 2">
@@ -4456,13 +4509,14 @@
                     <m:sSup>
                       <m:sSupPr>
                         <m:ctrlPr>
-                          <a:rPr lang="en-US">
+                          <a:rPr lang="en-US" i="1">
                             <a:solidFill>
                               <a:schemeClr val="tx1">
                                 <a:lumMod val="95000"/>
                                 <a:lumOff val="5000"/>
                               </a:schemeClr>
                             </a:solidFill>
+                            <a:latin typeface="Cambria Math" panose="02040503050406030204" pitchFamily="18" charset="0"/>
                             <a:sym typeface="Wingdings" panose="05000000000000000000" pitchFamily="2" charset="2"/>
                           </a:rPr>
                         </m:ctrlPr>
@@ -4536,6 +4590,7 @@
                                 <a:lumOff val="5000"/>
                               </a:schemeClr>
                             </a:solidFill>
+                            <a:latin typeface="Cambria Math" panose="02040503050406030204" pitchFamily="18" charset="0"/>
                             <a:sym typeface="Wingdings" panose="05000000000000000000" pitchFamily="2" charset="2"/>
                           </a:rPr>
                           <m:t>𝑃</m:t>
@@ -4550,6 +4605,7 @@
                                 <a:lumOff val="5000"/>
                               </a:schemeClr>
                             </a:solidFill>
+                            <a:latin typeface="Cambria Math" panose="02040503050406030204" pitchFamily="18" charset="0"/>
                             <a:sym typeface="Wingdings" panose="05000000000000000000" pitchFamily="2" charset="2"/>
                           </a:rPr>
                           <m:t>2</m:t>
@@ -4624,7 +4680,7 @@
             </p:txBody>
           </p:sp>
         </mc:Choice>
-        <mc:Fallback>
+        <mc:Fallback xmlns="">
           <p:sp>
             <p:nvSpPr>
               <p:cNvPr id="3" name="Content Placeholder 2">
@@ -4824,8 +4880,8 @@
           <a:chExt cx="0" cy="0"/>
         </a:xfrm>
       </p:grpSpPr>
-      <mc:AlternateContent xmlns:mc="http://schemas.openxmlformats.org/markup-compatibility/2006">
-        <mc:Choice xmlns:a14="http://schemas.microsoft.com/office/drawing/2010/main" Requires="a14">
+      <mc:AlternateContent xmlns:mc="http://schemas.openxmlformats.org/markup-compatibility/2006" xmlns:a14="http://schemas.microsoft.com/office/drawing/2010/main">
+        <mc:Choice Requires="a14">
           <p:sp>
             <p:nvSpPr>
               <p:cNvPr id="3" name="Content Placeholder 2">
@@ -5095,7 +5151,7 @@
             </p:txBody>
           </p:sp>
         </mc:Choice>
-        <mc:Fallback>
+        <mc:Fallback xmlns="">
           <p:sp>
             <p:nvSpPr>
               <p:cNvPr id="3" name="Content Placeholder 2">
